--- a/20162203386+贾鑫PPT.pptx
+++ b/20162203386+贾鑫PPT.pptx
@@ -6585,7 +6585,7 @@
                 <a:latin typeface="楷体" panose="02010609060101010101" pitchFamily="49" charset="-122"/>
                 <a:ea typeface="楷体" panose="02010609060101010101" pitchFamily="49" charset="-122"/>
               </a:rPr>
-              <a:t>经过一个多月的设计与开发，在不断的编写和修改过程中，我对前台，后台，前端，后</a:t>
+              <a:t>经过很长时间的设计与开发，在不断的编写和修改过程中，我对前台，后台，前端，后</a:t>
             </a:r>
             <a:endParaRPr lang="zh-CN" altLang="en-US" sz="2400" dirty="0">
               <a:latin typeface="楷体" panose="02010609060101010101" pitchFamily="49" charset="-122"/>
